--- a/PPT/Angular08-Material.pptx
+++ b/PPT/Angular08-Material.pptx
@@ -4147,26 +4147,19 @@
             <a:pPr lvl="1"/>
             <a:r>
               <a:rPr lang="nb-NO" dirty="0"/>
-              <a:t>npm install --save @</a:t>
-            </a:r>
-            <a:r>
-              <a:rPr lang="nb-NO" dirty="0" smtClean="0"/>
-              <a:t>angular/material</a:t>
-            </a:r>
-          </a:p>
-          <a:p>
-            <a:pPr lvl="1"/>
+              <a:t>npm install --save </a:t>
+            </a:r>
+            <a:r>
+              <a:rPr lang="nb-NO"/>
+              <a:t>@</a:t>
+            </a:r>
             <a:r>
               <a:rPr lang="nb-NO" smtClean="0"/>
-              <a:t>Ajouter si standalone</a:t>
-            </a:r>
-            <a:endParaRPr lang="nb-NO" dirty="0" smtClean="0"/>
-          </a:p>
-          <a:p>
-            <a:pPr lvl="1"/>
+              <a:t>angular/material @angular/cdk </a:t>
+            </a:r>
             <a:r>
               <a:rPr lang="nb-NO" dirty="0"/>
-              <a:t>@angular/cdk @angular/animations</a:t>
+              <a:t>@angular/animations</a:t>
             </a:r>
             <a:endParaRPr lang="fr-FR" dirty="0"/>
           </a:p>

--- a/PPT/Angular08-Material.pptx
+++ b/PPT/Angular08-Material.pptx
@@ -4030,6 +4030,13 @@
   <p:clrMapOvr>
     <a:masterClrMapping/>
   </p:clrMapOvr>
+  <p:timing>
+    <p:tnLst>
+      <p:par>
+        <p:cTn id="1" dur="indefinite" restart="never" nodeType="tmRoot"/>
+      </p:par>
+    </p:tnLst>
+  </p:timing>
 </p:sld>
 </file>
 
@@ -4094,7 +4101,15 @@
             </a:r>
             <a:r>
               <a:rPr lang="fr-FR" dirty="0" smtClean="0"/>
-              <a:t> conseille l'utilisation de la bibliothèque graphie </a:t>
+              <a:t> conseille l'utilisation de la </a:t>
+            </a:r>
+            <a:r>
+              <a:rPr lang="fr-FR" smtClean="0"/>
+              <a:t>bibliothèque </a:t>
+            </a:r>
+            <a:r>
+              <a:rPr lang="fr-FR" smtClean="0"/>
+              <a:t>graphique </a:t>
             </a:r>
             <a:r>
               <a:rPr lang="fr-FR" dirty="0" err="1" smtClean="0"/>
@@ -4147,14 +4162,10 @@
             <a:pPr lvl="1"/>
             <a:r>
               <a:rPr lang="nb-NO" dirty="0"/>
-              <a:t>npm install --save </a:t>
-            </a:r>
-            <a:r>
-              <a:rPr lang="nb-NO"/>
-              <a:t>@</a:t>
-            </a:r>
-            <a:r>
-              <a:rPr lang="nb-NO" smtClean="0"/>
+              <a:t>npm install --save @</a:t>
+            </a:r>
+            <a:r>
+              <a:rPr lang="nb-NO" dirty="0" smtClean="0"/>
               <a:t>angular/material @angular/cdk </a:t>
             </a:r>
             <a:r>
@@ -4179,6 +4190,13 @@
   <p:clrMapOvr>
     <a:masterClrMapping/>
   </p:clrMapOvr>
+  <p:timing>
+    <p:tnLst>
+      <p:par>
+        <p:cTn id="1" dur="indefinite" restart="never" nodeType="tmRoot"/>
+      </p:par>
+    </p:tnLst>
+  </p:timing>
 </p:sld>
 </file>
 

--- a/PPT/Angular08-Material.pptx
+++ b/PPT/Angular08-Material.pptx
@@ -5,15 +5,16 @@
     <p:sldMasterId id="2147483653" r:id="rId1"/>
   </p:sldMasterIdLst>
   <p:notesMasterIdLst>
-    <p:notesMasterId r:id="rId5"/>
+    <p:notesMasterId r:id="rId6"/>
   </p:notesMasterIdLst>
   <p:handoutMasterIdLst>
-    <p:handoutMasterId r:id="rId6"/>
+    <p:handoutMasterId r:id="rId7"/>
   </p:handoutMasterIdLst>
   <p:sldIdLst>
     <p:sldId id="264" r:id="rId2"/>
-    <p:sldId id="266" r:id="rId3"/>
+    <p:sldId id="268" r:id="rId3"/>
     <p:sldId id="267" r:id="rId4"/>
+    <p:sldId id="266" r:id="rId5"/>
   </p:sldIdLst>
   <p:sldSz cx="9144000" cy="6858000" type="screen4x3"/>
   <p:notesSz cx="6648450" cy="9782175"/>
@@ -3980,8 +3981,12 @@
           <a:lstStyle/>
           <a:p>
             <a:r>
+              <a:rPr lang="fr-FR" dirty="0" err="1" smtClean="0"/>
+              <a:t>Material</a:t>
+            </a:r>
+            <a:r>
               <a:rPr lang="fr-FR" dirty="0" smtClean="0"/>
-              <a:t>Animation</a:t>
+              <a:t> Design</a:t>
             </a:r>
             <a:endParaRPr lang="fr-FR" dirty="0"/>
           </a:p>
@@ -3997,46 +4002,87 @@
             <p:ph idx="1"/>
           </p:nvPr>
         </p:nvSpPr>
-        <p:spPr/>
+        <p:spPr>
+          <a:xfrm>
+            <a:off x="179513" y="1412776"/>
+            <a:ext cx="5976664" cy="5040560"/>
+          </a:xfrm>
+        </p:spPr>
         <p:txBody>
           <a:bodyPr/>
           <a:lstStyle/>
           <a:p>
             <a:r>
-              <a:rPr lang="fr-FR" dirty="0" err="1" smtClean="0"/>
-              <a:t>Angular</a:t>
+              <a:rPr lang="fr-FR" dirty="0"/>
+              <a:t>Le </a:t>
+            </a:r>
+            <a:r>
+              <a:rPr lang="fr-FR" dirty="0" err="1"/>
+              <a:t>Material</a:t>
+            </a:r>
+            <a:r>
+              <a:rPr lang="fr-FR" dirty="0"/>
+              <a:t> Design est un ensemble de règles de design proposées par Google et qui s'appliquent à l'interface graphique des logiciels et </a:t>
             </a:r>
             <a:r>
               <a:rPr lang="fr-FR" dirty="0" smtClean="0"/>
-              <a:t> possède un module avancé d'animations</a:t>
-            </a:r>
-          </a:p>
-          <a:p>
-            <a:r>
-              <a:rPr lang="fr-FR" dirty="0" err="1" smtClean="0"/>
-              <a:t>ngAnimations</a:t>
+              <a:t>applications</a:t>
             </a:r>
             <a:endParaRPr lang="fr-FR" dirty="0"/>
           </a:p>
         </p:txBody>
       </p:sp>
+      <p:pic>
+        <p:nvPicPr>
+          <p:cNvPr id="1026" name="Picture 2" descr="https://upload.wikimedia.org/wikipedia/commons/thumb/9/9c/Material_Design.svg/220px-Material_Design.svg.png"/>
+          <p:cNvPicPr>
+            <a:picLocks noChangeAspect="1" noChangeArrowheads="1"/>
+          </p:cNvPicPr>
+          <p:nvPr/>
+        </p:nvPicPr>
+        <p:blipFill>
+          <a:blip r:embed="rId2">
+            <a:extLst>
+              <a:ext uri="{28A0092B-C50C-407E-A947-70E740481C1C}">
+                <a14:useLocalDpi xmlns:a14="http://schemas.microsoft.com/office/drawing/2010/main" val="0"/>
+              </a:ext>
+            </a:extLst>
+          </a:blip>
+          <a:srcRect/>
+          <a:stretch>
+            <a:fillRect/>
+          </a:stretch>
+        </p:blipFill>
+        <p:spPr bwMode="auto">
+          <a:xfrm>
+            <a:off x="6300192" y="1412776"/>
+            <a:ext cx="2552508" cy="4536504"/>
+          </a:xfrm>
+          <a:prstGeom prst="rect">
+            <a:avLst/>
+          </a:prstGeom>
+          <a:noFill/>
+          <a:extLst>
+            <a:ext uri="{909E8E84-426E-40DD-AFC4-6F175D3DCCD1}">
+              <a14:hiddenFill xmlns:a14="http://schemas.microsoft.com/office/drawing/2010/main">
+                <a:solidFill>
+                  <a:srgbClr val="FFFFFF"/>
+                </a:solidFill>
+              </a14:hiddenFill>
+            </a:ext>
+          </a:extLst>
+        </p:spPr>
+      </p:pic>
     </p:spTree>
     <p:extLst>
       <p:ext uri="{BB962C8B-B14F-4D97-AF65-F5344CB8AC3E}">
-        <p14:creationId xmlns:p14="http://schemas.microsoft.com/office/powerpoint/2010/main" val="201654695"/>
+        <p14:creationId xmlns:p14="http://schemas.microsoft.com/office/powerpoint/2010/main" val="2422059313"/>
       </p:ext>
     </p:extLst>
   </p:cSld>
   <p:clrMapOvr>
     <a:masterClrMapping/>
   </p:clrMapOvr>
-  <p:timing>
-    <p:tnLst>
-      <p:par>
-        <p:cTn id="1" dur="indefinite" restart="never" nodeType="tmRoot"/>
-      </p:par>
-    </p:tnLst>
-  </p:timing>
 </p:sld>
 </file>
 
@@ -4105,11 +4151,7 @@
             </a:r>
             <a:r>
               <a:rPr lang="fr-FR" smtClean="0"/>
-              <a:t>bibliothèque </a:t>
-            </a:r>
-            <a:r>
-              <a:rPr lang="fr-FR" smtClean="0"/>
-              <a:t>graphique </a:t>
+              <a:t>bibliothèque graphique </a:t>
             </a:r>
             <a:r>
               <a:rPr lang="fr-FR" dirty="0" err="1" smtClean="0"/>
@@ -4184,6 +4226,99 @@
     <p:extLst>
       <p:ext uri="{BB962C8B-B14F-4D97-AF65-F5344CB8AC3E}">
         <p14:creationId xmlns:p14="http://schemas.microsoft.com/office/powerpoint/2010/main" val="2697659530"/>
+      </p:ext>
+    </p:extLst>
+  </p:cSld>
+  <p:clrMapOvr>
+    <a:masterClrMapping/>
+  </p:clrMapOvr>
+  <p:timing>
+    <p:tnLst>
+      <p:par>
+        <p:cTn id="1" dur="indefinite" restart="never" nodeType="tmRoot"/>
+      </p:par>
+    </p:tnLst>
+  </p:timing>
+</p:sld>
+</file>
+
+<file path=ppt/slides/slide4.xml><?xml version="1.0" encoding="utf-8"?>
+<p:sld xmlns:a="http://schemas.openxmlformats.org/drawingml/2006/main" xmlns:r="http://schemas.openxmlformats.org/officeDocument/2006/relationships" xmlns:p="http://schemas.openxmlformats.org/presentationml/2006/main">
+  <p:cSld>
+    <p:spTree>
+      <p:nvGrpSpPr>
+        <p:cNvPr id="1" name=""/>
+        <p:cNvGrpSpPr/>
+        <p:nvPr/>
+      </p:nvGrpSpPr>
+      <p:grpSpPr>
+        <a:xfrm>
+          <a:off x="0" y="0"/>
+          <a:ext cx="0" cy="0"/>
+          <a:chOff x="0" y="0"/>
+          <a:chExt cx="0" cy="0"/>
+        </a:xfrm>
+      </p:grpSpPr>
+      <p:sp>
+        <p:nvSpPr>
+          <p:cNvPr id="2" name="Titre 1"/>
+          <p:cNvSpPr>
+            <a:spLocks noGrp="1"/>
+          </p:cNvSpPr>
+          <p:nvPr>
+            <p:ph type="title"/>
+          </p:nvPr>
+        </p:nvSpPr>
+        <p:spPr/>
+        <p:txBody>
+          <a:bodyPr/>
+          <a:lstStyle/>
+          <a:p>
+            <a:r>
+              <a:rPr lang="fr-FR" dirty="0" smtClean="0"/>
+              <a:t>Animation</a:t>
+            </a:r>
+            <a:endParaRPr lang="fr-FR" dirty="0"/>
+          </a:p>
+        </p:txBody>
+      </p:sp>
+      <p:sp>
+        <p:nvSpPr>
+          <p:cNvPr id="3" name="Espace réservé du contenu 2"/>
+          <p:cNvSpPr>
+            <a:spLocks noGrp="1"/>
+          </p:cNvSpPr>
+          <p:nvPr>
+            <p:ph idx="1"/>
+          </p:nvPr>
+        </p:nvSpPr>
+        <p:spPr/>
+        <p:txBody>
+          <a:bodyPr/>
+          <a:lstStyle/>
+          <a:p>
+            <a:r>
+              <a:rPr lang="fr-FR" dirty="0" err="1" smtClean="0"/>
+              <a:t>Angular</a:t>
+            </a:r>
+            <a:r>
+              <a:rPr lang="fr-FR" dirty="0" smtClean="0"/>
+              <a:t> possède un module avancé d'animations</a:t>
+            </a:r>
+          </a:p>
+          <a:p>
+            <a:r>
+              <a:rPr lang="fr-FR" dirty="0" err="1" smtClean="0"/>
+              <a:t>ngAnimations</a:t>
+            </a:r>
+            <a:endParaRPr lang="fr-FR" dirty="0"/>
+          </a:p>
+        </p:txBody>
+      </p:sp>
+    </p:spTree>
+    <p:extLst>
+      <p:ext uri="{BB962C8B-B14F-4D97-AF65-F5344CB8AC3E}">
+        <p14:creationId xmlns:p14="http://schemas.microsoft.com/office/powerpoint/2010/main" val="201654695"/>
       </p:ext>
     </p:extLst>
   </p:cSld>

--- a/PPT/Angular08-Material.pptx
+++ b/PPT/Angular08-Material.pptx
@@ -4147,11 +4147,7 @@
             </a:r>
             <a:r>
               <a:rPr lang="fr-FR" dirty="0" smtClean="0"/>
-              <a:t> conseille l'utilisation de la </a:t>
-            </a:r>
-            <a:r>
-              <a:rPr lang="fr-FR" smtClean="0"/>
-              <a:t>bibliothèque graphique </a:t>
+              <a:t> conseille l'utilisation de la bibliothèque graphique </a:t>
             </a:r>
             <a:r>
               <a:rPr lang="fr-FR" dirty="0" err="1" smtClean="0"/>
@@ -4204,7 +4200,15 @@
             <a:pPr lvl="1"/>
             <a:r>
               <a:rPr lang="nb-NO" dirty="0"/>
-              <a:t>npm install --save @</a:t>
+              <a:t>npm </a:t>
+            </a:r>
+            <a:r>
+              <a:rPr lang="nb-NO"/>
+              <a:t>install </a:t>
+            </a:r>
+            <a:r>
+              <a:rPr lang="nb-NO" smtClean="0"/>
+              <a:t>@</a:t>
             </a:r>
             <a:r>
               <a:rPr lang="nb-NO" dirty="0" smtClean="0"/>
